--- a/How adoptable app.pptx
+++ b/How adoptable app.pptx
@@ -107,6 +107,11 @@
       </a:defRPr>
     </a:lvl9pPr>
   </p:defaultTextStyle>
+  <p:extLst>
+    <p:ext uri="{EFAFB233-063F-42B5-8137-9DF3F51BA10A}">
+      <p15:sldGuideLst xmlns:p15="http://schemas.microsoft.com/office/powerpoint/2012/main"/>
+    </p:ext>
+  </p:extLst>
 </p:presentation>
 </file>
 
@@ -192,7 +197,7 @@
           <a:p>
             <a:fld id="{9A856369-0CCA-AA4D-90F2-BCEBB755C336}" type="datetimeFigureOut">
               <a:rPr lang="en-US" smtClean="0"/>
-              <a:t>7/15/20</a:t>
+              <a:t>7/16/20</a:t>
             </a:fld>
             <a:endParaRPr lang="en-US"/>
           </a:p>
@@ -690,7 +695,7 @@
           <a:p>
             <a:fld id="{E5D8606F-C5EF-1F4D-87DA-0A0497B7291F}" type="datetimeFigureOut">
               <a:rPr lang="en-US" smtClean="0"/>
-              <a:t>7/15/20</a:t>
+              <a:t>7/16/20</a:t>
             </a:fld>
             <a:endParaRPr lang="en-US"/>
           </a:p>
@@ -888,7 +893,7 @@
           <a:p>
             <a:fld id="{E5D8606F-C5EF-1F4D-87DA-0A0497B7291F}" type="datetimeFigureOut">
               <a:rPr lang="en-US" smtClean="0"/>
-              <a:t>7/15/20</a:t>
+              <a:t>7/16/20</a:t>
             </a:fld>
             <a:endParaRPr lang="en-US"/>
           </a:p>
@@ -1096,7 +1101,7 @@
           <a:p>
             <a:fld id="{E5D8606F-C5EF-1F4D-87DA-0A0497B7291F}" type="datetimeFigureOut">
               <a:rPr lang="en-US" smtClean="0"/>
-              <a:t>7/15/20</a:t>
+              <a:t>7/16/20</a:t>
             </a:fld>
             <a:endParaRPr lang="en-US"/>
           </a:p>
@@ -1294,7 +1299,7 @@
           <a:p>
             <a:fld id="{E5D8606F-C5EF-1F4D-87DA-0A0497B7291F}" type="datetimeFigureOut">
               <a:rPr lang="en-US" smtClean="0"/>
-              <a:t>7/15/20</a:t>
+              <a:t>7/16/20</a:t>
             </a:fld>
             <a:endParaRPr lang="en-US"/>
           </a:p>
@@ -1569,7 +1574,7 @@
           <a:p>
             <a:fld id="{E5D8606F-C5EF-1F4D-87DA-0A0497B7291F}" type="datetimeFigureOut">
               <a:rPr lang="en-US" smtClean="0"/>
-              <a:t>7/15/20</a:t>
+              <a:t>7/16/20</a:t>
             </a:fld>
             <a:endParaRPr lang="en-US"/>
           </a:p>
@@ -1834,7 +1839,7 @@
           <a:p>
             <a:fld id="{E5D8606F-C5EF-1F4D-87DA-0A0497B7291F}" type="datetimeFigureOut">
               <a:rPr lang="en-US" smtClean="0"/>
-              <a:t>7/15/20</a:t>
+              <a:t>7/16/20</a:t>
             </a:fld>
             <a:endParaRPr lang="en-US"/>
           </a:p>
@@ -2246,7 +2251,7 @@
           <a:p>
             <a:fld id="{E5D8606F-C5EF-1F4D-87DA-0A0497B7291F}" type="datetimeFigureOut">
               <a:rPr lang="en-US" smtClean="0"/>
-              <a:t>7/15/20</a:t>
+              <a:t>7/16/20</a:t>
             </a:fld>
             <a:endParaRPr lang="en-US"/>
           </a:p>
@@ -2387,7 +2392,7 @@
           <a:p>
             <a:fld id="{E5D8606F-C5EF-1F4D-87DA-0A0497B7291F}" type="datetimeFigureOut">
               <a:rPr lang="en-US" smtClean="0"/>
-              <a:t>7/15/20</a:t>
+              <a:t>7/16/20</a:t>
             </a:fld>
             <a:endParaRPr lang="en-US"/>
           </a:p>
@@ -2500,7 +2505,7 @@
           <a:p>
             <a:fld id="{E5D8606F-C5EF-1F4D-87DA-0A0497B7291F}" type="datetimeFigureOut">
               <a:rPr lang="en-US" smtClean="0"/>
-              <a:t>7/15/20</a:t>
+              <a:t>7/16/20</a:t>
             </a:fld>
             <a:endParaRPr lang="en-US"/>
           </a:p>
@@ -2811,7 +2816,7 @@
           <a:p>
             <a:fld id="{E5D8606F-C5EF-1F4D-87DA-0A0497B7291F}" type="datetimeFigureOut">
               <a:rPr lang="en-US" smtClean="0"/>
-              <a:t>7/15/20</a:t>
+              <a:t>7/16/20</a:t>
             </a:fld>
             <a:endParaRPr lang="en-US"/>
           </a:p>
@@ -3099,7 +3104,7 @@
           <a:p>
             <a:fld id="{E5D8606F-C5EF-1F4D-87DA-0A0497B7291F}" type="datetimeFigureOut">
               <a:rPr lang="en-US" smtClean="0"/>
-              <a:t>7/15/20</a:t>
+              <a:t>7/16/20</a:t>
             </a:fld>
             <a:endParaRPr lang="en-US"/>
           </a:p>
@@ -3340,7 +3345,7 @@
           <a:p>
             <a:fld id="{E5D8606F-C5EF-1F4D-87DA-0A0497B7291F}" type="datetimeFigureOut">
               <a:rPr lang="en-US" smtClean="0"/>
-              <a:t>7/15/20</a:t>
+              <a:t>7/16/20</a:t>
             </a:fld>
             <a:endParaRPr lang="en-US"/>
           </a:p>
@@ -3804,7 +3809,7 @@
         </p:nvSpPr>
         <p:spPr>
           <a:xfrm>
-            <a:off x="1524000" y="-787400"/>
+            <a:off x="1524000" y="-1146225"/>
             <a:ext cx="9144000" cy="2387600"/>
           </a:xfrm>
         </p:spPr>
@@ -3837,7 +3842,7 @@
         </p:nvSpPr>
         <p:spPr>
           <a:xfrm>
-            <a:off x="3328988" y="1745457"/>
+            <a:off x="3328988" y="1386632"/>
             <a:ext cx="5672137" cy="1655762"/>
           </a:xfrm>
         </p:spPr>
@@ -3880,7 +3885,7 @@
         </p:blipFill>
         <p:spPr>
           <a:xfrm>
-            <a:off x="4193975" y="3054957"/>
+            <a:off x="4193975" y="2672982"/>
             <a:ext cx="3942161" cy="3433973"/>
           </a:xfrm>
           <a:prstGeom prst="rect">
@@ -3910,7 +3915,7 @@
         </p:blipFill>
         <p:spPr>
           <a:xfrm>
-            <a:off x="2866292" y="2250422"/>
+            <a:off x="2866292" y="1949472"/>
             <a:ext cx="1257024" cy="1257024"/>
           </a:xfrm>
           <a:prstGeom prst="rect">
@@ -3939,7 +3944,7 @@
         </p:blipFill>
         <p:spPr>
           <a:xfrm>
-            <a:off x="8198415" y="2237446"/>
+            <a:off x="8198415" y="1878621"/>
             <a:ext cx="1090246" cy="1270000"/>
           </a:xfrm>
           <a:prstGeom prst="rect">
@@ -3947,6 +3952,44 @@
           </a:prstGeom>
         </p:spPr>
       </p:pic>
+      <p:sp>
+        <p:nvSpPr>
+          <p:cNvPr id="4" name="TextBox 3">
+            <a:extLst>
+              <a:ext uri="{FF2B5EF4-FFF2-40B4-BE49-F238E27FC236}">
+                <a16:creationId xmlns:a16="http://schemas.microsoft.com/office/drawing/2014/main" id="{82B72DE5-2D12-EC48-BFAA-C5754912D848}"/>
+              </a:ext>
+            </a:extLst>
+          </p:cNvPr>
+          <p:cNvSpPr txBox="1"/>
+          <p:nvPr/>
+        </p:nvSpPr>
+        <p:spPr>
+          <a:xfrm>
+            <a:off x="3851988" y="6297811"/>
+            <a:ext cx="4488023" cy="369332"/>
+          </a:xfrm>
+          <a:prstGeom prst="rect">
+            <a:avLst/>
+          </a:prstGeom>
+          <a:noFill/>
+        </p:spPr>
+        <p:txBody>
+          <a:bodyPr wrap="none" rtlCol="0">
+            <a:spAutoFit/>
+          </a:bodyPr>
+          <a:lstStyle/>
+          <a:p>
+            <a:r>
+              <a:rPr lang="en-US" dirty="0">
+                <a:hlinkClick r:id="rId7"/>
+              </a:rPr>
+              <a:t>https://github.com/ksu-is/Adoption_Stoplight</a:t>
+            </a:r>
+            <a:endParaRPr lang="en-US" dirty="0"/>
+          </a:p>
+        </p:txBody>
+      </p:sp>
     </p:spTree>
     <p:extLst>
       <p:ext uri="{BB962C8B-B14F-4D97-AF65-F5344CB8AC3E}">
